--- a/FinalProject_SpeechRecognition/demo/presentation.pptx
+++ b/FinalProject_SpeechRecognition/demo/presentation.pptx
@@ -13,9 +13,9 @@
     <p:sldId id="294" r:id="rId4"/>
     <p:sldId id="288" r:id="rId5"/>
     <p:sldId id="287" r:id="rId6"/>
-    <p:sldId id="285" r:id="rId7"/>
-    <p:sldId id="286" r:id="rId8"/>
-    <p:sldId id="295" r:id="rId9"/>
+    <p:sldId id="295" r:id="rId7"/>
+    <p:sldId id="285" r:id="rId8"/>
+    <p:sldId id="286" r:id="rId9"/>
     <p:sldId id="291" r:id="rId10"/>
     <p:sldId id="292" r:id="rId11"/>
     <p:sldId id="293" r:id="rId12"/>
@@ -1665,7 +1665,7 @@
     </p:spTree>
     <p:extLst>
       <p:ext uri="{BB962C8B-B14F-4D97-AF65-F5344CB8AC3E}">
-        <p14:creationId xmlns:p14="http://schemas.microsoft.com/office/powerpoint/2010/main" val="1125308117"/>
+        <p14:creationId xmlns:p14="http://schemas.microsoft.com/office/powerpoint/2010/main" val="2603320079"/>
       </p:ext>
     </p:extLst>
   </p:cSld>
@@ -1774,7 +1774,7 @@
     </p:spTree>
     <p:extLst>
       <p:ext uri="{BB962C8B-B14F-4D97-AF65-F5344CB8AC3E}">
-        <p14:creationId xmlns:p14="http://schemas.microsoft.com/office/powerpoint/2010/main" val="1057377648"/>
+        <p14:creationId xmlns:p14="http://schemas.microsoft.com/office/powerpoint/2010/main" val="1125308117"/>
       </p:ext>
     </p:extLst>
   </p:cSld>
@@ -1883,7 +1883,7 @@
     </p:spTree>
     <p:extLst>
       <p:ext uri="{BB962C8B-B14F-4D97-AF65-F5344CB8AC3E}">
-        <p14:creationId xmlns:p14="http://schemas.microsoft.com/office/powerpoint/2010/main" val="2603320079"/>
+        <p14:creationId xmlns:p14="http://schemas.microsoft.com/office/powerpoint/2010/main" val="1057377648"/>
       </p:ext>
     </p:extLst>
   </p:cSld>
@@ -14746,6 +14746,416 @@
           <a:chExt cx="0" cy="0"/>
         </a:xfrm>
       </p:grpSpPr>
+      <p:sp>
+        <p:nvSpPr>
+          <p:cNvPr id="12" name="Google Shape;84;p14">
+            <a:extLst>
+              <a:ext uri="{FF2B5EF4-FFF2-40B4-BE49-F238E27FC236}">
+                <a16:creationId xmlns:a16="http://schemas.microsoft.com/office/drawing/2014/main" id="{20AED87C-4095-41F3-A17D-BFD7C699B054}"/>
+              </a:ext>
+            </a:extLst>
+          </p:cNvPr>
+          <p:cNvSpPr txBox="1">
+            <a:spLocks noGrp="1"/>
+          </p:cNvSpPr>
+          <p:nvPr>
+            <p:ph type="sldNum" idx="12"/>
+          </p:nvPr>
+        </p:nvSpPr>
+        <p:spPr>
+          <a:xfrm>
+            <a:off x="4297650" y="4804748"/>
+            <a:ext cx="548700" cy="338727"/>
+          </a:xfrm>
+          <a:prstGeom prst="rect">
+            <a:avLst/>
+          </a:prstGeom>
+        </p:spPr>
+        <p:txBody>
+          <a:bodyPr spcFirstLastPara="1" wrap="square" lIns="91425" tIns="91425" rIns="91425" bIns="91425" anchor="t" anchorCtr="0">
+            <a:noAutofit/>
+          </a:bodyPr>
+          <a:lstStyle/>
+          <a:p>
+            <a:pPr marL="0" lvl="0" indent="0" algn="ctr" rtl="0">
+              <a:spcBef>
+                <a:spcPts val="0"/>
+              </a:spcBef>
+              <a:spcAft>
+                <a:spcPts val="0"/>
+              </a:spcAft>
+              <a:buNone/>
+            </a:pPr>
+            <a:fld id="{00000000-1234-1234-1234-123412341234}" type="slidenum">
+              <a:rPr lang="en">
+                <a:solidFill>
+                  <a:schemeClr val="bg1"/>
+                </a:solidFill>
+              </a:rPr>
+              <a:t>6</a:t>
+            </a:fld>
+            <a:endParaRPr dirty="0">
+              <a:solidFill>
+                <a:schemeClr val="bg1"/>
+              </a:solidFill>
+            </a:endParaRPr>
+          </a:p>
+        </p:txBody>
+      </p:sp>
+      <p:sp>
+        <p:nvSpPr>
+          <p:cNvPr id="13" name="Title 4">
+            <a:extLst>
+              <a:ext uri="{FF2B5EF4-FFF2-40B4-BE49-F238E27FC236}">
+                <a16:creationId xmlns:a16="http://schemas.microsoft.com/office/drawing/2014/main" id="{B44575A0-31B1-45DA-9DFA-536D3D396D8A}"/>
+              </a:ext>
+            </a:extLst>
+          </p:cNvPr>
+          <p:cNvSpPr txBox="1">
+            <a:spLocks/>
+          </p:cNvSpPr>
+          <p:nvPr/>
+        </p:nvSpPr>
+        <p:spPr>
+          <a:xfrm>
+            <a:off x="685800" y="1692329"/>
+            <a:ext cx="7772400" cy="2029066"/>
+          </a:xfrm>
+          <a:prstGeom prst="rect">
+            <a:avLst/>
+          </a:prstGeom>
+          <a:noFill/>
+          <a:ln>
+            <a:noFill/>
+          </a:ln>
+        </p:spPr>
+        <p:txBody>
+          <a:bodyPr spcFirstLastPara="1" wrap="square" lIns="91425" tIns="91425" rIns="91425" bIns="91425" anchor="b" anchorCtr="0"/>
+          <a:lstStyle>
+            <a:defPPr marR="0" lvl="0" algn="l" rtl="0">
+              <a:lnSpc>
+                <a:spcPct val="100000"/>
+              </a:lnSpc>
+              <a:spcBef>
+                <a:spcPts val="0"/>
+              </a:spcBef>
+              <a:spcAft>
+                <a:spcPts val="0"/>
+              </a:spcAft>
+            </a:defPPr>
+            <a:lvl1pPr marR="0" lvl="0" algn="ctr" rtl="0">
+              <a:lnSpc>
+                <a:spcPct val="100000"/>
+              </a:lnSpc>
+              <a:spcBef>
+                <a:spcPts val="0"/>
+              </a:spcBef>
+              <a:spcAft>
+                <a:spcPts val="0"/>
+              </a:spcAft>
+              <a:buClr>
+                <a:srgbClr val="FFFFFF"/>
+              </a:buClr>
+              <a:buSzPts val="4800"/>
+              <a:buFont typeface="Walter Turncoat"/>
+              <a:buNone/>
+              <a:defRPr sz="4800" b="0" i="0" u="none" strike="noStrike" cap="none">
+                <a:solidFill>
+                  <a:srgbClr val="FFFFFF"/>
+                </a:solidFill>
+                <a:latin typeface="Walter Turncoat"/>
+                <a:ea typeface="Walter Turncoat"/>
+                <a:cs typeface="Walter Turncoat"/>
+                <a:sym typeface="Walter Turncoat"/>
+              </a:defRPr>
+            </a:lvl1pPr>
+            <a:lvl2pPr marR="0" lvl="1" algn="ctr" rtl="0">
+              <a:lnSpc>
+                <a:spcPct val="100000"/>
+              </a:lnSpc>
+              <a:spcBef>
+                <a:spcPts val="0"/>
+              </a:spcBef>
+              <a:spcAft>
+                <a:spcPts val="0"/>
+              </a:spcAft>
+              <a:buClr>
+                <a:srgbClr val="FFFFFF"/>
+              </a:buClr>
+              <a:buSzPts val="4800"/>
+              <a:buFont typeface="Walter Turncoat"/>
+              <a:buNone/>
+              <a:defRPr sz="4800" b="0" i="0" u="none" strike="noStrike" cap="none">
+                <a:solidFill>
+                  <a:srgbClr val="FFFFFF"/>
+                </a:solidFill>
+                <a:latin typeface="Walter Turncoat"/>
+                <a:ea typeface="Walter Turncoat"/>
+                <a:cs typeface="Walter Turncoat"/>
+                <a:sym typeface="Walter Turncoat"/>
+              </a:defRPr>
+            </a:lvl2pPr>
+            <a:lvl3pPr marR="0" lvl="2" algn="ctr" rtl="0">
+              <a:lnSpc>
+                <a:spcPct val="100000"/>
+              </a:lnSpc>
+              <a:spcBef>
+                <a:spcPts val="0"/>
+              </a:spcBef>
+              <a:spcAft>
+                <a:spcPts val="0"/>
+              </a:spcAft>
+              <a:buClr>
+                <a:srgbClr val="FFFFFF"/>
+              </a:buClr>
+              <a:buSzPts val="4800"/>
+              <a:buFont typeface="Walter Turncoat"/>
+              <a:buNone/>
+              <a:defRPr sz="4800" b="0" i="0" u="none" strike="noStrike" cap="none">
+                <a:solidFill>
+                  <a:srgbClr val="FFFFFF"/>
+                </a:solidFill>
+                <a:latin typeface="Walter Turncoat"/>
+                <a:ea typeface="Walter Turncoat"/>
+                <a:cs typeface="Walter Turncoat"/>
+                <a:sym typeface="Walter Turncoat"/>
+              </a:defRPr>
+            </a:lvl3pPr>
+            <a:lvl4pPr marR="0" lvl="3" algn="ctr" rtl="0">
+              <a:lnSpc>
+                <a:spcPct val="100000"/>
+              </a:lnSpc>
+              <a:spcBef>
+                <a:spcPts val="0"/>
+              </a:spcBef>
+              <a:spcAft>
+                <a:spcPts val="0"/>
+              </a:spcAft>
+              <a:buClr>
+                <a:srgbClr val="FFFFFF"/>
+              </a:buClr>
+              <a:buSzPts val="4800"/>
+              <a:buFont typeface="Walter Turncoat"/>
+              <a:buNone/>
+              <a:defRPr sz="4800" b="0" i="0" u="none" strike="noStrike" cap="none">
+                <a:solidFill>
+                  <a:srgbClr val="FFFFFF"/>
+                </a:solidFill>
+                <a:latin typeface="Walter Turncoat"/>
+                <a:ea typeface="Walter Turncoat"/>
+                <a:cs typeface="Walter Turncoat"/>
+                <a:sym typeface="Walter Turncoat"/>
+              </a:defRPr>
+            </a:lvl4pPr>
+            <a:lvl5pPr marR="0" lvl="4" algn="ctr" rtl="0">
+              <a:lnSpc>
+                <a:spcPct val="100000"/>
+              </a:lnSpc>
+              <a:spcBef>
+                <a:spcPts val="0"/>
+              </a:spcBef>
+              <a:spcAft>
+                <a:spcPts val="0"/>
+              </a:spcAft>
+              <a:buClr>
+                <a:srgbClr val="FFFFFF"/>
+              </a:buClr>
+              <a:buSzPts val="4800"/>
+              <a:buFont typeface="Walter Turncoat"/>
+              <a:buNone/>
+              <a:defRPr sz="4800" b="0" i="0" u="none" strike="noStrike" cap="none">
+                <a:solidFill>
+                  <a:srgbClr val="FFFFFF"/>
+                </a:solidFill>
+                <a:latin typeface="Walter Turncoat"/>
+                <a:ea typeface="Walter Turncoat"/>
+                <a:cs typeface="Walter Turncoat"/>
+                <a:sym typeface="Walter Turncoat"/>
+              </a:defRPr>
+            </a:lvl5pPr>
+            <a:lvl6pPr marR="0" lvl="5" algn="ctr" rtl="0">
+              <a:lnSpc>
+                <a:spcPct val="100000"/>
+              </a:lnSpc>
+              <a:spcBef>
+                <a:spcPts val="0"/>
+              </a:spcBef>
+              <a:spcAft>
+                <a:spcPts val="0"/>
+              </a:spcAft>
+              <a:buClr>
+                <a:srgbClr val="FFFFFF"/>
+              </a:buClr>
+              <a:buSzPts val="4800"/>
+              <a:buFont typeface="Walter Turncoat"/>
+              <a:buNone/>
+              <a:defRPr sz="4800" b="0" i="0" u="none" strike="noStrike" cap="none">
+                <a:solidFill>
+                  <a:srgbClr val="FFFFFF"/>
+                </a:solidFill>
+                <a:latin typeface="Walter Turncoat"/>
+                <a:ea typeface="Walter Turncoat"/>
+                <a:cs typeface="Walter Turncoat"/>
+                <a:sym typeface="Walter Turncoat"/>
+              </a:defRPr>
+            </a:lvl6pPr>
+            <a:lvl7pPr marR="0" lvl="6" algn="ctr" rtl="0">
+              <a:lnSpc>
+                <a:spcPct val="100000"/>
+              </a:lnSpc>
+              <a:spcBef>
+                <a:spcPts val="0"/>
+              </a:spcBef>
+              <a:spcAft>
+                <a:spcPts val="0"/>
+              </a:spcAft>
+              <a:buClr>
+                <a:srgbClr val="FFFFFF"/>
+              </a:buClr>
+              <a:buSzPts val="4800"/>
+              <a:buFont typeface="Walter Turncoat"/>
+              <a:buNone/>
+              <a:defRPr sz="4800" b="0" i="0" u="none" strike="noStrike" cap="none">
+                <a:solidFill>
+                  <a:srgbClr val="FFFFFF"/>
+                </a:solidFill>
+                <a:latin typeface="Walter Turncoat"/>
+                <a:ea typeface="Walter Turncoat"/>
+                <a:cs typeface="Walter Turncoat"/>
+                <a:sym typeface="Walter Turncoat"/>
+              </a:defRPr>
+            </a:lvl7pPr>
+            <a:lvl8pPr marR="0" lvl="7" algn="ctr" rtl="0">
+              <a:lnSpc>
+                <a:spcPct val="100000"/>
+              </a:lnSpc>
+              <a:spcBef>
+                <a:spcPts val="0"/>
+              </a:spcBef>
+              <a:spcAft>
+                <a:spcPts val="0"/>
+              </a:spcAft>
+              <a:buClr>
+                <a:srgbClr val="FFFFFF"/>
+              </a:buClr>
+              <a:buSzPts val="4800"/>
+              <a:buFont typeface="Walter Turncoat"/>
+              <a:buNone/>
+              <a:defRPr sz="4800" b="0" i="0" u="none" strike="noStrike" cap="none">
+                <a:solidFill>
+                  <a:srgbClr val="FFFFFF"/>
+                </a:solidFill>
+                <a:latin typeface="Walter Turncoat"/>
+                <a:ea typeface="Walter Turncoat"/>
+                <a:cs typeface="Walter Turncoat"/>
+                <a:sym typeface="Walter Turncoat"/>
+              </a:defRPr>
+            </a:lvl8pPr>
+            <a:lvl9pPr marR="0" lvl="8" algn="ctr" rtl="0">
+              <a:lnSpc>
+                <a:spcPct val="100000"/>
+              </a:lnSpc>
+              <a:spcBef>
+                <a:spcPts val="0"/>
+              </a:spcBef>
+              <a:spcAft>
+                <a:spcPts val="0"/>
+              </a:spcAft>
+              <a:buClr>
+                <a:srgbClr val="FFFFFF"/>
+              </a:buClr>
+              <a:buSzPts val="4800"/>
+              <a:buFont typeface="Walter Turncoat"/>
+              <a:buNone/>
+              <a:defRPr sz="4800" b="0" i="0" u="none" strike="noStrike" cap="none">
+                <a:solidFill>
+                  <a:srgbClr val="FFFFFF"/>
+                </a:solidFill>
+                <a:latin typeface="Walter Turncoat"/>
+                <a:ea typeface="Walter Turncoat"/>
+                <a:cs typeface="Walter Turncoat"/>
+                <a:sym typeface="Walter Turncoat"/>
+              </a:defRPr>
+            </a:lvl9pPr>
+          </a:lstStyle>
+          <a:p>
+            <a:pPr algn="l"/>
+            <a:endParaRPr lang="en-US" sz="2800" dirty="0">
+              <a:solidFill>
+                <a:schemeClr val="bg1"/>
+              </a:solidFill>
+            </a:endParaRPr>
+          </a:p>
+          <a:p>
+            <a:pPr algn="l"/>
+            <a:endParaRPr lang="en-US" sz="2800" dirty="0">
+              <a:solidFill>
+                <a:schemeClr val="bg1"/>
+              </a:solidFill>
+            </a:endParaRPr>
+          </a:p>
+          <a:p>
+            <a:pPr marL="457200" indent="-457200" algn="l">
+              <a:buFont typeface="Arial" panose="020B0604020202020204" pitchFamily="34" charset="0"/>
+              <a:buChar char="•"/>
+            </a:pPr>
+            <a:r>
+              <a:rPr lang="en-US" sz="2800" dirty="0">
+                <a:solidFill>
+                  <a:schemeClr val="bg1"/>
+                </a:solidFill>
+              </a:rPr>
+              <a:t>SOLUTION</a:t>
+            </a:r>
+          </a:p>
+          <a:p>
+            <a:pPr algn="l"/>
+            <a:endParaRPr lang="en-US" sz="2800" dirty="0">
+              <a:solidFill>
+                <a:schemeClr val="bg1"/>
+              </a:solidFill>
+            </a:endParaRPr>
+          </a:p>
+          <a:p>
+            <a:pPr algn="l"/>
+            <a:endParaRPr lang="en-US" sz="2800" dirty="0">
+              <a:solidFill>
+                <a:schemeClr val="bg1"/>
+              </a:solidFill>
+            </a:endParaRPr>
+          </a:p>
+        </p:txBody>
+      </p:sp>
+    </p:spTree>
+    <p:extLst>
+      <p:ext uri="{BB962C8B-B14F-4D97-AF65-F5344CB8AC3E}">
+        <p14:creationId xmlns:p14="http://schemas.microsoft.com/office/powerpoint/2010/main" val="3429557606"/>
+      </p:ext>
+    </p:extLst>
+  </p:cSld>
+  <p:clrMapOvr>
+    <a:masterClrMapping/>
+  </p:clrMapOvr>
+</p:sld>
+</file>
+
+<file path=ppt/slides/slide7.xml><?xml version="1.0" encoding="utf-8"?>
+<p:sld xmlns:a="http://schemas.openxmlformats.org/drawingml/2006/main" xmlns:r="http://schemas.openxmlformats.org/officeDocument/2006/relationships" xmlns:p="http://schemas.openxmlformats.org/presentationml/2006/main">
+  <p:cSld>
+    <p:spTree>
+      <p:nvGrpSpPr>
+        <p:cNvPr id="1" name="Shape 80"/>
+        <p:cNvGrpSpPr/>
+        <p:nvPr/>
+      </p:nvGrpSpPr>
+      <p:grpSpPr>
+        <a:xfrm>
+          <a:off x="0" y="0"/>
+          <a:ext cx="0" cy="0"/>
+          <a:chOff x="0" y="0"/>
+          <a:chExt cx="0" cy="0"/>
+        </a:xfrm>
+      </p:grpSpPr>
       <p:pic>
         <p:nvPicPr>
           <p:cNvPr id="3" name="Picture 2">
@@ -14822,7 +15232,7 @@
                   <a:schemeClr val="tx1"/>
                 </a:solidFill>
               </a:rPr>
-              <a:t>6</a:t>
+              <a:t>7</a:t>
             </a:fld>
             <a:endParaRPr dirty="0">
               <a:solidFill>
@@ -14845,7 +15255,7 @@
 </p:sld>
 </file>
 
-<file path=ppt/slides/slide7.xml><?xml version="1.0" encoding="utf-8"?>
+<file path=ppt/slides/slide8.xml><?xml version="1.0" encoding="utf-8"?>
 <p:sld xmlns:a="http://schemas.openxmlformats.org/drawingml/2006/main" xmlns:r="http://schemas.openxmlformats.org/officeDocument/2006/relationships" xmlns:p="http://schemas.openxmlformats.org/presentationml/2006/main">
   <p:cSld>
     <p:spTree>
@@ -14968,7 +15378,7 @@
                   <a:schemeClr val="tx1"/>
                 </a:solidFill>
               </a:rPr>
-              <a:t>7</a:t>
+              <a:t>8</a:t>
             </a:fld>
             <a:endParaRPr dirty="0">
               <a:solidFill>
@@ -14982,416 +15392,6 @@
     <p:extLst>
       <p:ext uri="{BB962C8B-B14F-4D97-AF65-F5344CB8AC3E}">
         <p14:creationId xmlns:p14="http://schemas.microsoft.com/office/powerpoint/2010/main" val="2904441227"/>
-      </p:ext>
-    </p:extLst>
-  </p:cSld>
-  <p:clrMapOvr>
-    <a:masterClrMapping/>
-  </p:clrMapOvr>
-</p:sld>
-</file>
-
-<file path=ppt/slides/slide8.xml><?xml version="1.0" encoding="utf-8"?>
-<p:sld xmlns:a="http://schemas.openxmlformats.org/drawingml/2006/main" xmlns:r="http://schemas.openxmlformats.org/officeDocument/2006/relationships" xmlns:p="http://schemas.openxmlformats.org/presentationml/2006/main">
-  <p:cSld>
-    <p:spTree>
-      <p:nvGrpSpPr>
-        <p:cNvPr id="1" name="Shape 80"/>
-        <p:cNvGrpSpPr/>
-        <p:nvPr/>
-      </p:nvGrpSpPr>
-      <p:grpSpPr>
-        <a:xfrm>
-          <a:off x="0" y="0"/>
-          <a:ext cx="0" cy="0"/>
-          <a:chOff x="0" y="0"/>
-          <a:chExt cx="0" cy="0"/>
-        </a:xfrm>
-      </p:grpSpPr>
-      <p:sp>
-        <p:nvSpPr>
-          <p:cNvPr id="12" name="Google Shape;84;p14">
-            <a:extLst>
-              <a:ext uri="{FF2B5EF4-FFF2-40B4-BE49-F238E27FC236}">
-                <a16:creationId xmlns:a16="http://schemas.microsoft.com/office/drawing/2014/main" id="{20AED87C-4095-41F3-A17D-BFD7C699B054}"/>
-              </a:ext>
-            </a:extLst>
-          </p:cNvPr>
-          <p:cNvSpPr txBox="1">
-            <a:spLocks noGrp="1"/>
-          </p:cNvSpPr>
-          <p:nvPr>
-            <p:ph type="sldNum" idx="12"/>
-          </p:nvPr>
-        </p:nvSpPr>
-        <p:spPr>
-          <a:xfrm>
-            <a:off x="4297650" y="4804748"/>
-            <a:ext cx="548700" cy="338727"/>
-          </a:xfrm>
-          <a:prstGeom prst="rect">
-            <a:avLst/>
-          </a:prstGeom>
-        </p:spPr>
-        <p:txBody>
-          <a:bodyPr spcFirstLastPara="1" wrap="square" lIns="91425" tIns="91425" rIns="91425" bIns="91425" anchor="t" anchorCtr="0">
-            <a:noAutofit/>
-          </a:bodyPr>
-          <a:lstStyle/>
-          <a:p>
-            <a:pPr marL="0" lvl="0" indent="0" algn="ctr" rtl="0">
-              <a:spcBef>
-                <a:spcPts val="0"/>
-              </a:spcBef>
-              <a:spcAft>
-                <a:spcPts val="0"/>
-              </a:spcAft>
-              <a:buNone/>
-            </a:pPr>
-            <a:fld id="{00000000-1234-1234-1234-123412341234}" type="slidenum">
-              <a:rPr lang="en">
-                <a:solidFill>
-                  <a:schemeClr val="bg1"/>
-                </a:solidFill>
-              </a:rPr>
-              <a:t>8</a:t>
-            </a:fld>
-            <a:endParaRPr dirty="0">
-              <a:solidFill>
-                <a:schemeClr val="bg1"/>
-              </a:solidFill>
-            </a:endParaRPr>
-          </a:p>
-        </p:txBody>
-      </p:sp>
-      <p:sp>
-        <p:nvSpPr>
-          <p:cNvPr id="13" name="Title 4">
-            <a:extLst>
-              <a:ext uri="{FF2B5EF4-FFF2-40B4-BE49-F238E27FC236}">
-                <a16:creationId xmlns:a16="http://schemas.microsoft.com/office/drawing/2014/main" id="{B44575A0-31B1-45DA-9DFA-536D3D396D8A}"/>
-              </a:ext>
-            </a:extLst>
-          </p:cNvPr>
-          <p:cNvSpPr txBox="1">
-            <a:spLocks/>
-          </p:cNvSpPr>
-          <p:nvPr/>
-        </p:nvSpPr>
-        <p:spPr>
-          <a:xfrm>
-            <a:off x="685800" y="1692329"/>
-            <a:ext cx="7772400" cy="2029066"/>
-          </a:xfrm>
-          <a:prstGeom prst="rect">
-            <a:avLst/>
-          </a:prstGeom>
-          <a:noFill/>
-          <a:ln>
-            <a:noFill/>
-          </a:ln>
-        </p:spPr>
-        <p:txBody>
-          <a:bodyPr spcFirstLastPara="1" wrap="square" lIns="91425" tIns="91425" rIns="91425" bIns="91425" anchor="b" anchorCtr="0"/>
-          <a:lstStyle>
-            <a:defPPr marR="0" lvl="0" algn="l" rtl="0">
-              <a:lnSpc>
-                <a:spcPct val="100000"/>
-              </a:lnSpc>
-              <a:spcBef>
-                <a:spcPts val="0"/>
-              </a:spcBef>
-              <a:spcAft>
-                <a:spcPts val="0"/>
-              </a:spcAft>
-            </a:defPPr>
-            <a:lvl1pPr marR="0" lvl="0" algn="ctr" rtl="0">
-              <a:lnSpc>
-                <a:spcPct val="100000"/>
-              </a:lnSpc>
-              <a:spcBef>
-                <a:spcPts val="0"/>
-              </a:spcBef>
-              <a:spcAft>
-                <a:spcPts val="0"/>
-              </a:spcAft>
-              <a:buClr>
-                <a:srgbClr val="FFFFFF"/>
-              </a:buClr>
-              <a:buSzPts val="4800"/>
-              <a:buFont typeface="Walter Turncoat"/>
-              <a:buNone/>
-              <a:defRPr sz="4800" b="0" i="0" u="none" strike="noStrike" cap="none">
-                <a:solidFill>
-                  <a:srgbClr val="FFFFFF"/>
-                </a:solidFill>
-                <a:latin typeface="Walter Turncoat"/>
-                <a:ea typeface="Walter Turncoat"/>
-                <a:cs typeface="Walter Turncoat"/>
-                <a:sym typeface="Walter Turncoat"/>
-              </a:defRPr>
-            </a:lvl1pPr>
-            <a:lvl2pPr marR="0" lvl="1" algn="ctr" rtl="0">
-              <a:lnSpc>
-                <a:spcPct val="100000"/>
-              </a:lnSpc>
-              <a:spcBef>
-                <a:spcPts val="0"/>
-              </a:spcBef>
-              <a:spcAft>
-                <a:spcPts val="0"/>
-              </a:spcAft>
-              <a:buClr>
-                <a:srgbClr val="FFFFFF"/>
-              </a:buClr>
-              <a:buSzPts val="4800"/>
-              <a:buFont typeface="Walter Turncoat"/>
-              <a:buNone/>
-              <a:defRPr sz="4800" b="0" i="0" u="none" strike="noStrike" cap="none">
-                <a:solidFill>
-                  <a:srgbClr val="FFFFFF"/>
-                </a:solidFill>
-                <a:latin typeface="Walter Turncoat"/>
-                <a:ea typeface="Walter Turncoat"/>
-                <a:cs typeface="Walter Turncoat"/>
-                <a:sym typeface="Walter Turncoat"/>
-              </a:defRPr>
-            </a:lvl2pPr>
-            <a:lvl3pPr marR="0" lvl="2" algn="ctr" rtl="0">
-              <a:lnSpc>
-                <a:spcPct val="100000"/>
-              </a:lnSpc>
-              <a:spcBef>
-                <a:spcPts val="0"/>
-              </a:spcBef>
-              <a:spcAft>
-                <a:spcPts val="0"/>
-              </a:spcAft>
-              <a:buClr>
-                <a:srgbClr val="FFFFFF"/>
-              </a:buClr>
-              <a:buSzPts val="4800"/>
-              <a:buFont typeface="Walter Turncoat"/>
-              <a:buNone/>
-              <a:defRPr sz="4800" b="0" i="0" u="none" strike="noStrike" cap="none">
-                <a:solidFill>
-                  <a:srgbClr val="FFFFFF"/>
-                </a:solidFill>
-                <a:latin typeface="Walter Turncoat"/>
-                <a:ea typeface="Walter Turncoat"/>
-                <a:cs typeface="Walter Turncoat"/>
-                <a:sym typeface="Walter Turncoat"/>
-              </a:defRPr>
-            </a:lvl3pPr>
-            <a:lvl4pPr marR="0" lvl="3" algn="ctr" rtl="0">
-              <a:lnSpc>
-                <a:spcPct val="100000"/>
-              </a:lnSpc>
-              <a:spcBef>
-                <a:spcPts val="0"/>
-              </a:spcBef>
-              <a:spcAft>
-                <a:spcPts val="0"/>
-              </a:spcAft>
-              <a:buClr>
-                <a:srgbClr val="FFFFFF"/>
-              </a:buClr>
-              <a:buSzPts val="4800"/>
-              <a:buFont typeface="Walter Turncoat"/>
-              <a:buNone/>
-              <a:defRPr sz="4800" b="0" i="0" u="none" strike="noStrike" cap="none">
-                <a:solidFill>
-                  <a:srgbClr val="FFFFFF"/>
-                </a:solidFill>
-                <a:latin typeface="Walter Turncoat"/>
-                <a:ea typeface="Walter Turncoat"/>
-                <a:cs typeface="Walter Turncoat"/>
-                <a:sym typeface="Walter Turncoat"/>
-              </a:defRPr>
-            </a:lvl4pPr>
-            <a:lvl5pPr marR="0" lvl="4" algn="ctr" rtl="0">
-              <a:lnSpc>
-                <a:spcPct val="100000"/>
-              </a:lnSpc>
-              <a:spcBef>
-                <a:spcPts val="0"/>
-              </a:spcBef>
-              <a:spcAft>
-                <a:spcPts val="0"/>
-              </a:spcAft>
-              <a:buClr>
-                <a:srgbClr val="FFFFFF"/>
-              </a:buClr>
-              <a:buSzPts val="4800"/>
-              <a:buFont typeface="Walter Turncoat"/>
-              <a:buNone/>
-              <a:defRPr sz="4800" b="0" i="0" u="none" strike="noStrike" cap="none">
-                <a:solidFill>
-                  <a:srgbClr val="FFFFFF"/>
-                </a:solidFill>
-                <a:latin typeface="Walter Turncoat"/>
-                <a:ea typeface="Walter Turncoat"/>
-                <a:cs typeface="Walter Turncoat"/>
-                <a:sym typeface="Walter Turncoat"/>
-              </a:defRPr>
-            </a:lvl5pPr>
-            <a:lvl6pPr marR="0" lvl="5" algn="ctr" rtl="0">
-              <a:lnSpc>
-                <a:spcPct val="100000"/>
-              </a:lnSpc>
-              <a:spcBef>
-                <a:spcPts val="0"/>
-              </a:spcBef>
-              <a:spcAft>
-                <a:spcPts val="0"/>
-              </a:spcAft>
-              <a:buClr>
-                <a:srgbClr val="FFFFFF"/>
-              </a:buClr>
-              <a:buSzPts val="4800"/>
-              <a:buFont typeface="Walter Turncoat"/>
-              <a:buNone/>
-              <a:defRPr sz="4800" b="0" i="0" u="none" strike="noStrike" cap="none">
-                <a:solidFill>
-                  <a:srgbClr val="FFFFFF"/>
-                </a:solidFill>
-                <a:latin typeface="Walter Turncoat"/>
-                <a:ea typeface="Walter Turncoat"/>
-                <a:cs typeface="Walter Turncoat"/>
-                <a:sym typeface="Walter Turncoat"/>
-              </a:defRPr>
-            </a:lvl6pPr>
-            <a:lvl7pPr marR="0" lvl="6" algn="ctr" rtl="0">
-              <a:lnSpc>
-                <a:spcPct val="100000"/>
-              </a:lnSpc>
-              <a:spcBef>
-                <a:spcPts val="0"/>
-              </a:spcBef>
-              <a:spcAft>
-                <a:spcPts val="0"/>
-              </a:spcAft>
-              <a:buClr>
-                <a:srgbClr val="FFFFFF"/>
-              </a:buClr>
-              <a:buSzPts val="4800"/>
-              <a:buFont typeface="Walter Turncoat"/>
-              <a:buNone/>
-              <a:defRPr sz="4800" b="0" i="0" u="none" strike="noStrike" cap="none">
-                <a:solidFill>
-                  <a:srgbClr val="FFFFFF"/>
-                </a:solidFill>
-                <a:latin typeface="Walter Turncoat"/>
-                <a:ea typeface="Walter Turncoat"/>
-                <a:cs typeface="Walter Turncoat"/>
-                <a:sym typeface="Walter Turncoat"/>
-              </a:defRPr>
-            </a:lvl7pPr>
-            <a:lvl8pPr marR="0" lvl="7" algn="ctr" rtl="0">
-              <a:lnSpc>
-                <a:spcPct val="100000"/>
-              </a:lnSpc>
-              <a:spcBef>
-                <a:spcPts val="0"/>
-              </a:spcBef>
-              <a:spcAft>
-                <a:spcPts val="0"/>
-              </a:spcAft>
-              <a:buClr>
-                <a:srgbClr val="FFFFFF"/>
-              </a:buClr>
-              <a:buSzPts val="4800"/>
-              <a:buFont typeface="Walter Turncoat"/>
-              <a:buNone/>
-              <a:defRPr sz="4800" b="0" i="0" u="none" strike="noStrike" cap="none">
-                <a:solidFill>
-                  <a:srgbClr val="FFFFFF"/>
-                </a:solidFill>
-                <a:latin typeface="Walter Turncoat"/>
-                <a:ea typeface="Walter Turncoat"/>
-                <a:cs typeface="Walter Turncoat"/>
-                <a:sym typeface="Walter Turncoat"/>
-              </a:defRPr>
-            </a:lvl8pPr>
-            <a:lvl9pPr marR="0" lvl="8" algn="ctr" rtl="0">
-              <a:lnSpc>
-                <a:spcPct val="100000"/>
-              </a:lnSpc>
-              <a:spcBef>
-                <a:spcPts val="0"/>
-              </a:spcBef>
-              <a:spcAft>
-                <a:spcPts val="0"/>
-              </a:spcAft>
-              <a:buClr>
-                <a:srgbClr val="FFFFFF"/>
-              </a:buClr>
-              <a:buSzPts val="4800"/>
-              <a:buFont typeface="Walter Turncoat"/>
-              <a:buNone/>
-              <a:defRPr sz="4800" b="0" i="0" u="none" strike="noStrike" cap="none">
-                <a:solidFill>
-                  <a:srgbClr val="FFFFFF"/>
-                </a:solidFill>
-                <a:latin typeface="Walter Turncoat"/>
-                <a:ea typeface="Walter Turncoat"/>
-                <a:cs typeface="Walter Turncoat"/>
-                <a:sym typeface="Walter Turncoat"/>
-              </a:defRPr>
-            </a:lvl9pPr>
-          </a:lstStyle>
-          <a:p>
-            <a:pPr algn="l"/>
-            <a:endParaRPr lang="en-US" sz="2800" dirty="0">
-              <a:solidFill>
-                <a:schemeClr val="bg1"/>
-              </a:solidFill>
-            </a:endParaRPr>
-          </a:p>
-          <a:p>
-            <a:pPr algn="l"/>
-            <a:endParaRPr lang="en-US" sz="2800" dirty="0">
-              <a:solidFill>
-                <a:schemeClr val="bg1"/>
-              </a:solidFill>
-            </a:endParaRPr>
-          </a:p>
-          <a:p>
-            <a:pPr marL="457200" indent="-457200" algn="l">
-              <a:buFont typeface="Arial" panose="020B0604020202020204" pitchFamily="34" charset="0"/>
-              <a:buChar char="•"/>
-            </a:pPr>
-            <a:r>
-              <a:rPr lang="en-US" sz="2800" dirty="0">
-                <a:solidFill>
-                  <a:schemeClr val="bg1"/>
-                </a:solidFill>
-              </a:rPr>
-              <a:t>SOLUTION</a:t>
-            </a:r>
-          </a:p>
-          <a:p>
-            <a:pPr algn="l"/>
-            <a:endParaRPr lang="en-US" sz="2800" dirty="0">
-              <a:solidFill>
-                <a:schemeClr val="bg1"/>
-              </a:solidFill>
-            </a:endParaRPr>
-          </a:p>
-          <a:p>
-            <a:pPr algn="l"/>
-            <a:endParaRPr lang="en-US" sz="2800" dirty="0">
-              <a:solidFill>
-                <a:schemeClr val="bg1"/>
-              </a:solidFill>
-            </a:endParaRPr>
-          </a:p>
-        </p:txBody>
-      </p:sp>
-    </p:spTree>
-    <p:extLst>
-      <p:ext uri="{BB962C8B-B14F-4D97-AF65-F5344CB8AC3E}">
-        <p14:creationId xmlns:p14="http://schemas.microsoft.com/office/powerpoint/2010/main" val="3429557606"/>
       </p:ext>
     </p:extLst>
   </p:cSld>
